--- a/data/slide_dataset_processed/dataset_presentation_1_processed.pptx
+++ b/data/slide_dataset_processed/dataset_presentation_1_processed.pptx
@@ -3005,12 +3005,7 @@
           <a:lstStyle/>
           <a:p>
             <a:r>
-              <a:rPr lang="en-GB" dirty="0">
-                <a:solidFill>
-                  <a:schemeClr val="bg1"/>
-                </a:solidFill>
-              </a:rPr>
-              <a:t>Project title</a:t>
+              <a:t>Lorem ipsum d</a:t>
             </a:r>
           </a:p>
         </p:txBody>
@@ -3033,12 +3028,7 @@
           <a:lstStyle/>
           <a:p>
             <a:r>
-              <a:rPr lang="en-GB" dirty="0">
-                <a:solidFill>
-                  <a:schemeClr val="bg1"/>
-                </a:solidFill>
-              </a:rPr>
-              <a:t>Oct 2023</a:t>
+              <a:t>Lorem ip</a:t>
             </a:r>
           </a:p>
         </p:txBody>
@@ -3095,8 +3085,7 @@
           <a:lstStyle/>
           <a:p>
             <a:r>
-              <a:rPr lang="en-GB" dirty="0"/>
-              <a:t>Exec summary type slide</a:t>
+              <a:t>Lorem ipsum dolor sit a</a:t>
             </a:r>
           </a:p>
         </p:txBody>
@@ -3148,12 +3137,9 @@
           <a:bodyPr rtlCol="0" anchor="ctr"/>
           <a:lstStyle/>
           <a:p>
-            <a:pPr algn="ctr"/>
-            <a:r>
-              <a:rPr lang="en-GB" dirty="0"/>
-              <a:t>We are making a lot of money: +£10M</a:t>
-            </a:r>
-            <a:endParaRPr lang="en-US" dirty="0"/>
+            <a:r>
+              <a:t>Lorem ipsum dolor sit amet, consect</a:t>
+            </a:r>
           </a:p>
         </p:txBody>
       </p:sp>
@@ -3204,10 +3190,8 @@
           <a:bodyPr lIns="91440" tIns="45720" rIns="91440" bIns="45720" rtlCol="0" anchor="ctr"/>
           <a:lstStyle/>
           <a:p>
-            <a:pPr algn="ctr"/>
-            <a:r>
-              <a:rPr lang="en-GB" dirty="0"/>
-              <a:t>We have more customers</a:t>
+            <a:r>
+              <a:t>Lorem ipsum dolor sit </a:t>
             </a:r>
           </a:p>
         </p:txBody>
@@ -3259,12 +3243,9 @@
           <a:bodyPr lIns="91440" tIns="45720" rIns="91440" bIns="45720" rtlCol="0" anchor="ctr"/>
           <a:lstStyle/>
           <a:p>
-            <a:pPr algn="ctr"/>
-            <a:r>
-              <a:rPr lang="en-GB" dirty="0"/>
-              <a:t>This is because marketing up 3% and stuff  </a:t>
-            </a:r>
-            <a:endParaRPr lang="en-US" dirty="0"/>
+            <a:r>
+              <a:t>Lorem ipsum dolor sit amet, consectetur adi</a:t>
+            </a:r>
           </a:p>
         </p:txBody>
       </p:sp>
@@ -3315,10 +3296,8 @@
           <a:bodyPr lIns="91440" tIns="45720" rIns="91440" bIns="45720" rtlCol="0" anchor="ctr"/>
           <a:lstStyle/>
           <a:p>
-            <a:pPr algn="ctr"/>
-            <a:r>
-              <a:rPr lang="en-GB" dirty="0"/>
-              <a:t>stakeholders</a:t>
+            <a:r>
+              <a:t>Lorem ipsum </a:t>
             </a:r>
           </a:p>
         </p:txBody>
@@ -3370,10 +3349,8 @@
           <a:bodyPr lIns="91440" tIns="45720" rIns="91440" bIns="45720" rtlCol="0" anchor="ctr"/>
           <a:lstStyle/>
           <a:p>
-            <a:pPr algn="ctr"/>
-            <a:r>
-              <a:rPr lang="en-GB" dirty="0"/>
-              <a:t>departments</a:t>
+            <a:r>
+              <a:t>Lorem ipsum</a:t>
             </a:r>
           </a:p>
         </p:txBody>
@@ -3425,10 +3402,8 @@
           <a:bodyPr lIns="91440" tIns="45720" rIns="91440" bIns="45720" rtlCol="0" anchor="ctr"/>
           <a:lstStyle/>
           <a:p>
-            <a:pPr algn="ctr"/>
-            <a:r>
-              <a:rPr lang="en-GB" dirty="0"/>
-              <a:t>Some other stuff</a:t>
+            <a:r>
+              <a:t>Lorem ipsum dolo</a:t>
             </a:r>
           </a:p>
         </p:txBody>
@@ -3485,8 +3460,7 @@
           <a:lstStyle/>
           <a:p>
             <a:r>
-              <a:rPr lang="en-GB" dirty="0"/>
-              <a:t>Exec summary type slide 2</a:t>
+              <a:t>Lorem ipsum dolor sit ame</a:t>
             </a:r>
           </a:p>
         </p:txBody>
@@ -3538,12 +3512,9 @@
           <a:bodyPr rtlCol="0" anchor="ctr"/>
           <a:lstStyle/>
           <a:p>
-            <a:pPr algn="ctr"/>
-            <a:r>
-              <a:rPr lang="en-GB" dirty="0"/>
-              <a:t>We are making a lot of money: +£10M</a:t>
-            </a:r>
-            <a:endParaRPr lang="en-US" dirty="0"/>
+            <a:r>
+              <a:t>Lorem ipsum dolor sit amet, consect</a:t>
+            </a:r>
           </a:p>
         </p:txBody>
       </p:sp>
@@ -3594,10 +3565,8 @@
           <a:bodyPr lIns="91440" tIns="45720" rIns="91440" bIns="45720" rtlCol="0" anchor="ctr"/>
           <a:lstStyle/>
           <a:p>
-            <a:pPr algn="ctr"/>
-            <a:r>
-              <a:rPr lang="en-GB" dirty="0"/>
-              <a:t>We have more customers</a:t>
+            <a:r>
+              <a:t>Lorem ipsum dolor sit </a:t>
             </a:r>
           </a:p>
         </p:txBody>
@@ -3649,12 +3618,9 @@
           <a:bodyPr lIns="91440" tIns="45720" rIns="91440" bIns="45720" rtlCol="0" anchor="ctr"/>
           <a:lstStyle/>
           <a:p>
-            <a:pPr algn="ctr"/>
-            <a:r>
-              <a:rPr lang="en-GB" dirty="0"/>
-              <a:t>This is because marketing up 3% and stuff  </a:t>
-            </a:r>
-            <a:endParaRPr lang="en-US" dirty="0"/>
+            <a:r>
+              <a:t>Lorem ipsum dolor sit amet, consectetur adi</a:t>
+            </a:r>
           </a:p>
         </p:txBody>
       </p:sp>
@@ -3705,10 +3671,8 @@
           <a:bodyPr lIns="91440" tIns="45720" rIns="91440" bIns="45720" rtlCol="0" anchor="ctr"/>
           <a:lstStyle/>
           <a:p>
-            <a:pPr algn="ctr"/>
-            <a:r>
-              <a:rPr lang="en-GB" dirty="0"/>
-              <a:t>stakeholders</a:t>
+            <a:r>
+              <a:t>Lorem ipsum </a:t>
             </a:r>
           </a:p>
         </p:txBody>
@@ -3760,10 +3724,8 @@
           <a:bodyPr lIns="91440" tIns="45720" rIns="91440" bIns="45720" rtlCol="0" anchor="ctr"/>
           <a:lstStyle/>
           <a:p>
-            <a:pPr algn="ctr"/>
-            <a:r>
-              <a:rPr lang="en-GB" dirty="0"/>
-              <a:t>departments</a:t>
+            <a:r>
+              <a:t>Lorem ipsum</a:t>
             </a:r>
           </a:p>
         </p:txBody>
@@ -3815,10 +3777,8 @@
           <a:bodyPr lIns="91440" tIns="45720" rIns="91440" bIns="45720" rtlCol="0" anchor="ctr"/>
           <a:lstStyle/>
           <a:p>
-            <a:pPr algn="ctr"/>
-            <a:r>
-              <a:rPr lang="en-GB" dirty="0"/>
-              <a:t>Some other stuff</a:t>
+            <a:r>
+              <a:t>Lorem ipsum dolo</a:t>
             </a:r>
           </a:p>
         </p:txBody>
@@ -3953,12 +3913,7 @@
           <a:lstStyle/>
           <a:p>
             <a:r>
-              <a:rPr lang="en-GB" dirty="0">
-                <a:solidFill>
-                  <a:srgbClr val="FFFFFF"/>
-                </a:solidFill>
-              </a:rPr>
-              <a:t>Some fancy slide</a:t>
+              <a:t>Lorem ipsum dolo</a:t>
             </a:r>
           </a:p>
         </p:txBody>
@@ -4178,22 +4133,8 @@
           <a:lstStyle/>
           <a:p>
             <a:r>
-              <a:rPr lang="en-GB" dirty="0"/>
-              <a:t>Bullets in a cool way I guess</a:t>
-            </a:r>
-          </a:p>
-          <a:p>
-            <a:r>
-              <a:rPr lang="en-GB" dirty="0"/>
-              <a:t>Weird </a:t>
-            </a:r>
-            <a:r>
-              <a:rPr lang="en-GB" dirty="0" err="1"/>
-              <a:t>trempleate</a:t>
-            </a:r>
-          </a:p>
-          <a:p>
-            <a:endParaRPr lang="en-GB" dirty="0"/>
+              <a:t>Lorem ipsum dolor sit amet, consectetur adipisc</a:t>
+            </a:r>
           </a:p>
         </p:txBody>
       </p:sp>
@@ -4249,8 +4190,7 @@
           <a:lstStyle/>
           <a:p>
             <a:r>
-              <a:rPr lang="en-GB" dirty="0"/>
-              <a:t>Graphs slide</a:t>
+              <a:t>Lorem ipsum </a:t>
             </a:r>
           </a:p>
         </p:txBody>
@@ -4302,20 +4242,9 @@
           <a:bodyPr lIns="91440" tIns="45720" rIns="91440" bIns="45720" rtlCol="0" anchor="ctr"/>
           <a:lstStyle/>
           <a:p>
-            <a:pPr algn="ctr"/>
-            <a:r>
-              <a:rPr lang="en-GB" dirty="0">
-                <a:solidFill>
-                  <a:schemeClr val="tx1"/>
-                </a:solidFill>
-              </a:rPr>
-              <a:t>We are making a lot of money: +£10M</a:t>
-            </a:r>
-            <a:endParaRPr lang="en-US">
-              <a:solidFill>
-                <a:schemeClr val="tx1"/>
-              </a:solidFill>
-            </a:endParaRPr>
+            <a:r>
+              <a:t>Lorem ipsum dolor sit amet, consect</a:t>
+            </a:r>
           </a:p>
         </p:txBody>
       </p:sp>
@@ -4511,8 +4440,7 @@
           <a:lstStyle/>
           <a:p>
             <a:r>
-              <a:rPr lang="en-GB" dirty="0"/>
-              <a:t>+4% in 3 years</a:t>
+              <a:t>Lorem ipsum do</a:t>
             </a:r>
           </a:p>
         </p:txBody>
@@ -4569,8 +4497,7 @@
           <a:lstStyle/>
           <a:p>
             <a:r>
-              <a:rPr lang="en-GB" dirty="0"/>
-              <a:t>Graphs slide 2</a:t>
+              <a:t>Lorem ipsum do</a:t>
             </a:r>
           </a:p>
         </p:txBody>
@@ -4622,20 +4549,9 @@
           <a:bodyPr lIns="91440" tIns="45720" rIns="91440" bIns="45720" rtlCol="0" anchor="ctr"/>
           <a:lstStyle/>
           <a:p>
-            <a:pPr algn="ctr"/>
-            <a:r>
-              <a:rPr lang="en-GB" dirty="0">
-                <a:solidFill>
-                  <a:schemeClr val="tx1"/>
-                </a:solidFill>
-              </a:rPr>
-              <a:t>We are making a lot of money: +£10M</a:t>
-            </a:r>
-            <a:endParaRPr lang="en-US">
-              <a:solidFill>
-                <a:schemeClr val="tx1"/>
-              </a:solidFill>
-            </a:endParaRPr>
+            <a:r>
+              <a:t>Lorem ipsum dolor sit amet, consect</a:t>
+            </a:r>
           </a:p>
         </p:txBody>
       </p:sp>
@@ -4759,18 +4675,7 @@
           <a:lstStyle/>
           <a:p>
             <a:r>
-              <a:rPr lang="en-GB" sz="2400" dirty="0"/>
-              <a:t>+4% in EU</a:t>
-            </a:r>
-            <a:endParaRPr lang="en-US" sz="2400"/>
-          </a:p>
-          <a:p>
-            <a:endParaRPr lang="en-GB" sz="2400" dirty="0"/>
-          </a:p>
-          <a:p>
-            <a:r>
-              <a:rPr lang="en-GB" sz="2400" dirty="0"/>
-              <a:t>-10% in US</a:t>
+              <a:t>Lorem ipsum dolor sit</a:t>
             </a:r>
           </a:p>
         </p:txBody>
@@ -4868,8 +4773,7 @@
           <a:lstStyle/>
           <a:p>
             <a:r>
-              <a:rPr lang="en-GB" dirty="0"/>
-              <a:t>Roadmap</a:t>
+              <a:t>Lorem i</a:t>
             </a:r>
           </a:p>
         </p:txBody>
@@ -4958,10 +4862,8 @@
           <a:bodyPr rtlCol="0" anchor="ctr"/>
           <a:lstStyle/>
           <a:p>
-            <a:pPr algn="ctr"/>
-            <a:r>
-              <a:rPr lang="en-GB" dirty="0"/>
-              <a:t>Month 1</a:t>
+            <a:r>
+              <a:t>Lorem i</a:t>
             </a:r>
           </a:p>
         </p:txBody>
@@ -5007,10 +4909,8 @@
           <a:bodyPr lIns="91440" tIns="45720" rIns="91440" bIns="45720" rtlCol="0" anchor="ctr"/>
           <a:lstStyle/>
           <a:p>
-            <a:pPr algn="ctr"/>
-            <a:r>
-              <a:rPr lang="en-GB" dirty="0"/>
-              <a:t>Month 2</a:t>
+            <a:r>
+              <a:t>Lorem i</a:t>
             </a:r>
           </a:p>
         </p:txBody>
@@ -5056,10 +4956,8 @@
           <a:bodyPr lIns="91440" tIns="45720" rIns="91440" bIns="45720" rtlCol="0" anchor="ctr"/>
           <a:lstStyle/>
           <a:p>
-            <a:pPr algn="ctr"/>
-            <a:r>
-              <a:rPr lang="en-GB" dirty="0"/>
-              <a:t>Month 3</a:t>
+            <a:r>
+              <a:t>Lorem i</a:t>
             </a:r>
           </a:p>
         </p:txBody>
@@ -5105,10 +5003,8 @@
           <a:bodyPr lIns="91440" tIns="45720" rIns="91440" bIns="45720" rtlCol="0" anchor="ctr"/>
           <a:lstStyle/>
           <a:p>
-            <a:pPr algn="ctr"/>
-            <a:r>
-              <a:rPr lang="en-GB" dirty="0"/>
-              <a:t>Month 4</a:t>
+            <a:r>
+              <a:t>Lorem i</a:t>
             </a:r>
           </a:p>
         </p:txBody>
@@ -5154,10 +5050,8 @@
           <a:bodyPr lIns="91440" tIns="45720" rIns="91440" bIns="45720" rtlCol="0" anchor="ctr"/>
           <a:lstStyle/>
           <a:p>
-            <a:pPr algn="ctr"/>
-            <a:r>
-              <a:rPr lang="en-GB" dirty="0"/>
-              <a:t>Month 5</a:t>
+            <a:r>
+              <a:t>Lorem i</a:t>
             </a:r>
           </a:p>
         </p:txBody>
@@ -5203,10 +5097,8 @@
           <a:bodyPr rtlCol="0" anchor="ctr"/>
           <a:lstStyle/>
           <a:p>
-            <a:pPr algn="ctr"/>
-            <a:r>
-              <a:rPr lang="en-GB" dirty="0"/>
-              <a:t>Process 1</a:t>
+            <a:r>
+              <a:t>Lorem ips</a:t>
             </a:r>
           </a:p>
         </p:txBody>
@@ -5252,15 +5144,9 @@
           <a:bodyPr lIns="91440" tIns="45720" rIns="91440" bIns="45720" rtlCol="0" anchor="ctr"/>
           <a:lstStyle/>
           <a:p>
-            <a:pPr algn="ctr"/>
-            <a:r>
-              <a:rPr lang="en-GB" dirty="0">
-                <a:ea typeface="+mn-lt"/>
-                <a:cs typeface="+mn-lt"/>
-              </a:rPr>
-              <a:t>Process 1</a:t>
-            </a:r>
-            <a:endParaRPr lang="en-US" dirty="0"/>
+            <a:r>
+              <a:t>Lorem ips</a:t>
+            </a:r>
           </a:p>
         </p:txBody>
       </p:sp>
@@ -5305,15 +5191,9 @@
           <a:bodyPr lIns="91440" tIns="45720" rIns="91440" bIns="45720" rtlCol="0" anchor="ctr"/>
           <a:lstStyle/>
           <a:p>
-            <a:pPr algn="ctr"/>
-            <a:r>
-              <a:rPr lang="en-GB" dirty="0">
-                <a:ea typeface="+mn-lt"/>
-                <a:cs typeface="+mn-lt"/>
-              </a:rPr>
-              <a:t>Process 3</a:t>
-            </a:r>
-            <a:endParaRPr lang="en-US" dirty="0"/>
+            <a:r>
+              <a:t>Lorem ips</a:t>
+            </a:r>
           </a:p>
         </p:txBody>
       </p:sp>
@@ -5358,18 +5238,9 @@
           <a:bodyPr rtlCol="0" anchor="ctr"/>
           <a:lstStyle/>
           <a:p>
-            <a:pPr algn="ctr"/>
-            <a:r>
-              <a:rPr lang="en-GB" dirty="0">
-                <a:solidFill>
-                  <a:srgbClr val="FFFFFF"/>
-                </a:solidFill>
-                <a:ea typeface="+mn-lt"/>
-                <a:cs typeface="+mn-lt"/>
-              </a:rPr>
-              <a:t>Process 2</a:t>
-            </a:r>
-            <a:endParaRPr lang="en-US" dirty="0"/>
+            <a:r>
+              <a:t>Lorem ips</a:t>
+            </a:r>
           </a:p>
         </p:txBody>
       </p:sp>
@@ -5414,21 +5285,9 @@
           <a:bodyPr lIns="91440" tIns="45720" rIns="91440" bIns="45720" rtlCol="0" anchor="ctr"/>
           <a:lstStyle/>
           <a:p>
-            <a:pPr algn="ctr"/>
-            <a:r>
-              <a:rPr lang="en-GB" dirty="0">
-                <a:solidFill>
-                  <a:srgbClr val="FFFFFF"/>
-                </a:solidFill>
-                <a:ea typeface="+mn-lt"/>
-                <a:cs typeface="+mn-lt"/>
-              </a:rPr>
-              <a:t>Process 2</a:t>
-            </a:r>
-            <a:endParaRPr lang="en-US" dirty="0">
-              <a:ea typeface="+mn-lt"/>
-              <a:cs typeface="+mn-lt"/>
-            </a:endParaRPr>
+            <a:r>
+              <a:t>Lorem ips</a:t>
+            </a:r>
           </a:p>
         </p:txBody>
       </p:sp>
@@ -5473,18 +5332,9 @@
           <a:bodyPr lIns="91440" tIns="45720" rIns="91440" bIns="45720" rtlCol="0" anchor="ctr"/>
           <a:lstStyle/>
           <a:p>
-            <a:pPr algn="ctr"/>
-            <a:r>
-              <a:rPr lang="en-GB" dirty="0">
-                <a:solidFill>
-                  <a:srgbClr val="FFFFFF"/>
-                </a:solidFill>
-                <a:ea typeface="+mn-lt"/>
-                <a:cs typeface="+mn-lt"/>
-              </a:rPr>
-              <a:t>Process 4</a:t>
-            </a:r>
-            <a:endParaRPr lang="en-US" dirty="0"/>
+            <a:r>
+              <a:t>Lorem ips</a:t>
+            </a:r>
           </a:p>
         </p:txBody>
       </p:sp>
@@ -5540,8 +5390,7 @@
           <a:lstStyle/>
           <a:p>
             <a:r>
-              <a:rPr lang="en-GB" dirty="0"/>
-              <a:t>Breakdown / funnel slide</a:t>
+              <a:t>Lorem ipsum dolor sit am</a:t>
             </a:r>
           </a:p>
         </p:txBody>
@@ -5587,10 +5436,8 @@
           <a:bodyPr rtlCol="0" anchor="ctr"/>
           <a:lstStyle/>
           <a:p>
-            <a:pPr algn="ctr"/>
-            <a:r>
-              <a:rPr lang="en-GB" dirty="0"/>
-              <a:t>Revenue</a:t>
+            <a:r>
+              <a:t>Lorem i</a:t>
             </a:r>
           </a:p>
         </p:txBody>
@@ -5636,10 +5483,8 @@
           <a:bodyPr rtlCol="0" anchor="ctr"/>
           <a:lstStyle/>
           <a:p>
-            <a:pPr algn="ctr"/>
-            <a:r>
-              <a:rPr lang="en-GB" dirty="0"/>
-              <a:t>Revenue</a:t>
+            <a:r>
+              <a:t>Lorem i</a:t>
             </a:r>
           </a:p>
         </p:txBody>
@@ -5685,10 +5530,8 @@
           <a:bodyPr rtlCol="0" anchor="ctr"/>
           <a:lstStyle/>
           <a:p>
-            <a:pPr algn="ctr"/>
-            <a:r>
-              <a:rPr lang="en-GB" dirty="0"/>
-              <a:t>Revenue</a:t>
+            <a:r>
+              <a:t>Lorem i</a:t>
             </a:r>
           </a:p>
         </p:txBody>
@@ -5734,10 +5577,8 @@
           <a:bodyPr rtlCol="0" anchor="ctr"/>
           <a:lstStyle/>
           <a:p>
-            <a:pPr algn="ctr"/>
-            <a:r>
-              <a:rPr lang="en-GB" dirty="0"/>
-              <a:t>Revenue</a:t>
+            <a:r>
+              <a:t>Lorem i</a:t>
             </a:r>
           </a:p>
         </p:txBody>
@@ -5783,10 +5624,8 @@
           <a:bodyPr rtlCol="0" anchor="ctr"/>
           <a:lstStyle/>
           <a:p>
-            <a:pPr algn="ctr"/>
-            <a:r>
-              <a:rPr lang="en-GB" dirty="0"/>
-              <a:t>Revenue</a:t>
+            <a:r>
+              <a:t>Lorem i</a:t>
             </a:r>
           </a:p>
         </p:txBody>
@@ -5832,10 +5671,8 @@
           <a:bodyPr rtlCol="0" anchor="ctr"/>
           <a:lstStyle/>
           <a:p>
-            <a:pPr algn="ctr"/>
-            <a:r>
-              <a:rPr lang="en-GB" dirty="0"/>
-              <a:t>Revenue</a:t>
+            <a:r>
+              <a:t>Lorem i</a:t>
             </a:r>
           </a:p>
         </p:txBody>
@@ -5881,10 +5718,8 @@
           <a:bodyPr rtlCol="0" anchor="ctr"/>
           <a:lstStyle/>
           <a:p>
-            <a:pPr algn="ctr"/>
-            <a:r>
-              <a:rPr lang="en-GB" dirty="0"/>
-              <a:t>Revenue</a:t>
+            <a:r>
+              <a:t>Lorem i</a:t>
             </a:r>
           </a:p>
         </p:txBody>
@@ -5930,10 +5765,8 @@
           <a:bodyPr rtlCol="0" anchor="ctr"/>
           <a:lstStyle/>
           <a:p>
-            <a:pPr algn="ctr"/>
-            <a:r>
-              <a:rPr lang="en-GB" dirty="0"/>
-              <a:t>Revenue</a:t>
+            <a:r>
+              <a:t>Lorem i</a:t>
             </a:r>
           </a:p>
         </p:txBody>
@@ -6282,8 +6115,7 @@
           <a:lstStyle/>
           <a:p>
             <a:r>
-              <a:rPr lang="en-GB" dirty="0"/>
-              <a:t>Boring information slide</a:t>
+              <a:t>Lorem ipsum dolor sit am</a:t>
             </a:r>
           </a:p>
         </p:txBody>
@@ -6312,68 +6144,7 @@
           <a:lstStyle/>
           <a:p>
             <a:r>
-              <a:rPr lang="en-GB"/>
-              <a:t>Bullet 1</a:t>
-            </a:r>
-          </a:p>
-          <a:p>
-            <a:pPr lvl="1">
-              <a:buFont typeface="Courier New" panose="020B0604020202020204" pitchFamily="34" charset="0"/>
-              <a:buChar char="o"/>
-            </a:pPr>
-            <a:r>
-              <a:rPr lang="en-GB" dirty="0"/>
-              <a:t>How bullet 1 actually goes into two bullets </a:t>
-            </a:r>
-          </a:p>
-          <a:p>
-            <a:pPr lvl="1">
-              <a:buFont typeface="Courier New" panose="020B0604020202020204" pitchFamily="34" charset="0"/>
-              <a:buChar char="o"/>
-            </a:pPr>
-            <a:endParaRPr lang="en-GB" dirty="0"/>
-          </a:p>
-          <a:p>
-            <a:r>
-              <a:rPr lang="en-GB"/>
-              <a:t>Bullet 2</a:t>
-            </a:r>
-            <a:endParaRPr lang="en-GB" dirty="0"/>
-          </a:p>
-          <a:p>
-            <a:r>
-              <a:rPr lang="en-GB" dirty="0" err="1"/>
-              <a:t>BUllet</a:t>
-            </a:r>
-            <a:r>
-              <a:rPr lang="en-GB" dirty="0"/>
-              <a:t> 3</a:t>
-            </a:r>
-          </a:p>
-          <a:p>
-            <a:r>
-              <a:rPr lang="en-GB" dirty="0"/>
-              <a:t>Bullet 4</a:t>
-            </a:r>
-          </a:p>
-          <a:p>
-            <a:pPr lvl="1">
-              <a:buFont typeface="Courier New" panose="020B0604020202020204" pitchFamily="34" charset="0"/>
-              <a:buChar char="o"/>
-            </a:pPr>
-            <a:r>
-              <a:rPr lang="en-GB"/>
-              <a:t>Goes into another</a:t>
-            </a:r>
-          </a:p>
-          <a:p>
-            <a:pPr lvl="1">
-              <a:buFont typeface="Courier New" panose="020B0604020202020204" pitchFamily="34" charset="0"/>
-              <a:buChar char="o"/>
-            </a:pPr>
-            <a:r>
-              <a:rPr lang="en-GB" dirty="0"/>
-              <a:t>And yet another</a:t>
+              <a:t>Lorem ipsum dolor sit amet, consectetur adipiscing elit. Sed do eiusmod tempor incididunt ut labore et dolore magna</a:t>
             </a:r>
           </a:p>
         </p:txBody>
